--- a/ppt 16-9/1399.万事互相效力.pptx
+++ b/ppt 16-9/1399.万事互相效力.pptx
@@ -5,7 +5,7 @@
     <p:sldMasterId id="2147483648" r:id="rId1"/>
   </p:sldMasterIdLst>
   <p:sldIdLst>
-    <p:sldId id="970" r:id="rId2"/>
+    <p:sldId id="971" r:id="rId2"/>
   </p:sldIdLst>
   <p:sldSz cx="12192000" cy="6858000"/>
   <p:notesSz cx="6858000" cy="9144000"/>
@@ -129,7 +129,7 @@
           <p:cNvPr id="2" name="标题 1">
             <a:extLst>
               <a:ext uri="{FF2B5EF4-FFF2-40B4-BE49-F238E27FC236}">
-                <a16:creationId xmlns:a16="http://schemas.microsoft.com/office/drawing/2014/main" id="{E8233659-3931-A228-D402-D72DFB293A71}"/>
+                <a16:creationId xmlns:a16="http://schemas.microsoft.com/office/drawing/2014/main" id="{9289D873-7FA9-697D-6222-D378D0E54662}"/>
               </a:ext>
             </a:extLst>
           </p:cNvPr>
@@ -166,7 +166,7 @@
           <p:cNvPr id="3" name="副标题 2">
             <a:extLst>
               <a:ext uri="{FF2B5EF4-FFF2-40B4-BE49-F238E27FC236}">
-                <a16:creationId xmlns:a16="http://schemas.microsoft.com/office/drawing/2014/main" id="{9BE0CC83-065F-6F89-456C-E1C6C525F7CC}"/>
+                <a16:creationId xmlns:a16="http://schemas.microsoft.com/office/drawing/2014/main" id="{DD9F1387-6141-8EBF-D485-8F9952005414}"/>
               </a:ext>
             </a:extLst>
           </p:cNvPr>
@@ -236,7 +236,7 @@
           <p:cNvPr id="4" name="日期占位符 3">
             <a:extLst>
               <a:ext uri="{FF2B5EF4-FFF2-40B4-BE49-F238E27FC236}">
-                <a16:creationId xmlns:a16="http://schemas.microsoft.com/office/drawing/2014/main" id="{45B9D10D-A705-4E79-9FB2-AC0A3A5F03E7}"/>
+                <a16:creationId xmlns:a16="http://schemas.microsoft.com/office/drawing/2014/main" id="{4EA8038C-346D-5A46-F18F-5FA4340EB707}"/>
               </a:ext>
             </a:extLst>
           </p:cNvPr>
@@ -252,7 +252,7 @@
           <a:bodyPr/>
           <a:lstStyle/>
           <a:p>
-            <a:fld id="{214D9F7F-ED2C-4ADA-BC45-E79174857B53}" type="datetimeFigureOut">
+            <a:fld id="{4D6725C8-448E-40A9-9B38-4E25EFEF6E64}" type="datetimeFigureOut">
               <a:rPr lang="zh-CN" altLang="en-US" smtClean="0"/>
               <a:t>2024/3/10</a:t>
             </a:fld>
@@ -265,7 +265,7 @@
           <p:cNvPr id="5" name="页脚占位符 4">
             <a:extLst>
               <a:ext uri="{FF2B5EF4-FFF2-40B4-BE49-F238E27FC236}">
-                <a16:creationId xmlns:a16="http://schemas.microsoft.com/office/drawing/2014/main" id="{7746576E-D019-D719-203D-BE7E5F1A6404}"/>
+                <a16:creationId xmlns:a16="http://schemas.microsoft.com/office/drawing/2014/main" id="{BA0FEB04-A9D6-1A8E-2921-2AE474374A08}"/>
               </a:ext>
             </a:extLst>
           </p:cNvPr>
@@ -290,7 +290,7 @@
           <p:cNvPr id="6" name="灯片编号占位符 5">
             <a:extLst>
               <a:ext uri="{FF2B5EF4-FFF2-40B4-BE49-F238E27FC236}">
-                <a16:creationId xmlns:a16="http://schemas.microsoft.com/office/drawing/2014/main" id="{F681E2D3-1AF6-A0C6-7F64-488AA1AD6C47}"/>
+                <a16:creationId xmlns:a16="http://schemas.microsoft.com/office/drawing/2014/main" id="{3734FDC9-03A2-0AFD-3FCC-F225705183B7}"/>
               </a:ext>
             </a:extLst>
           </p:cNvPr>
@@ -306,7 +306,7 @@
           <a:bodyPr/>
           <a:lstStyle/>
           <a:p>
-            <a:fld id="{66E443BC-6725-4061-BA50-E1929B2B0DBB}" type="slidenum">
+            <a:fld id="{270F2DB2-A8E4-4AFA-8F69-716C341346EF}" type="slidenum">
               <a:rPr lang="zh-CN" altLang="en-US" smtClean="0"/>
               <a:t>‹#›</a:t>
             </a:fld>
@@ -317,7 +317,7 @@
     </p:spTree>
     <p:extLst>
       <p:ext uri="{BB962C8B-B14F-4D97-AF65-F5344CB8AC3E}">
-        <p14:creationId xmlns:p14="http://schemas.microsoft.com/office/powerpoint/2010/main" val="387835233"/>
+        <p14:creationId xmlns:p14="http://schemas.microsoft.com/office/powerpoint/2010/main" val="831461902"/>
       </p:ext>
     </p:extLst>
   </p:cSld>
@@ -349,7 +349,7 @@
           <p:cNvPr id="2" name="标题 1">
             <a:extLst>
               <a:ext uri="{FF2B5EF4-FFF2-40B4-BE49-F238E27FC236}">
-                <a16:creationId xmlns:a16="http://schemas.microsoft.com/office/drawing/2014/main" id="{A5627B94-024D-BD13-F374-2889C87E8894}"/>
+                <a16:creationId xmlns:a16="http://schemas.microsoft.com/office/drawing/2014/main" id="{6758D64F-B5EC-64AF-A1C9-1259CA7CADCA}"/>
               </a:ext>
             </a:extLst>
           </p:cNvPr>
@@ -377,7 +377,7 @@
           <p:cNvPr id="3" name="竖排文字占位符 2">
             <a:extLst>
               <a:ext uri="{FF2B5EF4-FFF2-40B4-BE49-F238E27FC236}">
-                <a16:creationId xmlns:a16="http://schemas.microsoft.com/office/drawing/2014/main" id="{BEEA1D3B-21D2-B241-9CEB-B81C9D1F0306}"/>
+                <a16:creationId xmlns:a16="http://schemas.microsoft.com/office/drawing/2014/main" id="{8A341045-6FEE-308D-C675-C9D0EA257B83}"/>
               </a:ext>
             </a:extLst>
           </p:cNvPr>
@@ -434,7 +434,7 @@
           <p:cNvPr id="4" name="日期占位符 3">
             <a:extLst>
               <a:ext uri="{FF2B5EF4-FFF2-40B4-BE49-F238E27FC236}">
-                <a16:creationId xmlns:a16="http://schemas.microsoft.com/office/drawing/2014/main" id="{FA65B713-B6A3-01A5-B894-7532403CDC1A}"/>
+                <a16:creationId xmlns:a16="http://schemas.microsoft.com/office/drawing/2014/main" id="{661EED17-67A1-5D67-6C7A-EBF9076AD322}"/>
               </a:ext>
             </a:extLst>
           </p:cNvPr>
@@ -450,7 +450,7 @@
           <a:bodyPr/>
           <a:lstStyle/>
           <a:p>
-            <a:fld id="{214D9F7F-ED2C-4ADA-BC45-E79174857B53}" type="datetimeFigureOut">
+            <a:fld id="{4D6725C8-448E-40A9-9B38-4E25EFEF6E64}" type="datetimeFigureOut">
               <a:rPr lang="zh-CN" altLang="en-US" smtClean="0"/>
               <a:t>2024/3/10</a:t>
             </a:fld>
@@ -463,7 +463,7 @@
           <p:cNvPr id="5" name="页脚占位符 4">
             <a:extLst>
               <a:ext uri="{FF2B5EF4-FFF2-40B4-BE49-F238E27FC236}">
-                <a16:creationId xmlns:a16="http://schemas.microsoft.com/office/drawing/2014/main" id="{1C0A452D-DF48-F0D3-A86A-0DEF2DE725C9}"/>
+                <a16:creationId xmlns:a16="http://schemas.microsoft.com/office/drawing/2014/main" id="{4ECE52F8-A3A5-269F-4EF9-F41E176824A0}"/>
               </a:ext>
             </a:extLst>
           </p:cNvPr>
@@ -488,7 +488,7 @@
           <p:cNvPr id="6" name="灯片编号占位符 5">
             <a:extLst>
               <a:ext uri="{FF2B5EF4-FFF2-40B4-BE49-F238E27FC236}">
-                <a16:creationId xmlns:a16="http://schemas.microsoft.com/office/drawing/2014/main" id="{70C86075-5A9A-0CE0-58EE-AB0BBB015402}"/>
+                <a16:creationId xmlns:a16="http://schemas.microsoft.com/office/drawing/2014/main" id="{1937FCCD-F369-3A70-4BC7-D340660AACCE}"/>
               </a:ext>
             </a:extLst>
           </p:cNvPr>
@@ -504,7 +504,7 @@
           <a:bodyPr/>
           <a:lstStyle/>
           <a:p>
-            <a:fld id="{66E443BC-6725-4061-BA50-E1929B2B0DBB}" type="slidenum">
+            <a:fld id="{270F2DB2-A8E4-4AFA-8F69-716C341346EF}" type="slidenum">
               <a:rPr lang="zh-CN" altLang="en-US" smtClean="0"/>
               <a:t>‹#›</a:t>
             </a:fld>
@@ -515,7 +515,7 @@
     </p:spTree>
     <p:extLst>
       <p:ext uri="{BB962C8B-B14F-4D97-AF65-F5344CB8AC3E}">
-        <p14:creationId xmlns:p14="http://schemas.microsoft.com/office/powerpoint/2010/main" val="4171906257"/>
+        <p14:creationId xmlns:p14="http://schemas.microsoft.com/office/powerpoint/2010/main" val="942938634"/>
       </p:ext>
     </p:extLst>
   </p:cSld>
@@ -547,7 +547,7 @@
           <p:cNvPr id="2" name="竖排标题 1">
             <a:extLst>
               <a:ext uri="{FF2B5EF4-FFF2-40B4-BE49-F238E27FC236}">
-                <a16:creationId xmlns:a16="http://schemas.microsoft.com/office/drawing/2014/main" id="{DB96E93A-EFDA-60F2-942F-892525B41D98}"/>
+                <a16:creationId xmlns:a16="http://schemas.microsoft.com/office/drawing/2014/main" id="{6425A06B-D46B-6483-0D72-EDD944642782}"/>
               </a:ext>
             </a:extLst>
           </p:cNvPr>
@@ -580,7 +580,7 @@
           <p:cNvPr id="3" name="竖排文字占位符 2">
             <a:extLst>
               <a:ext uri="{FF2B5EF4-FFF2-40B4-BE49-F238E27FC236}">
-                <a16:creationId xmlns:a16="http://schemas.microsoft.com/office/drawing/2014/main" id="{D0A9642F-5F2A-A789-C56A-5B067ECC8512}"/>
+                <a16:creationId xmlns:a16="http://schemas.microsoft.com/office/drawing/2014/main" id="{F5090427-A1A0-9D71-D219-F73B3ABB5B59}"/>
               </a:ext>
             </a:extLst>
           </p:cNvPr>
@@ -642,7 +642,7 @@
           <p:cNvPr id="4" name="日期占位符 3">
             <a:extLst>
               <a:ext uri="{FF2B5EF4-FFF2-40B4-BE49-F238E27FC236}">
-                <a16:creationId xmlns:a16="http://schemas.microsoft.com/office/drawing/2014/main" id="{EBCD871B-0A43-FD13-6CF2-408852663C69}"/>
+                <a16:creationId xmlns:a16="http://schemas.microsoft.com/office/drawing/2014/main" id="{BB41DF6D-DEB7-CA12-B90E-BA994269447C}"/>
               </a:ext>
             </a:extLst>
           </p:cNvPr>
@@ -658,7 +658,7 @@
           <a:bodyPr/>
           <a:lstStyle/>
           <a:p>
-            <a:fld id="{214D9F7F-ED2C-4ADA-BC45-E79174857B53}" type="datetimeFigureOut">
+            <a:fld id="{4D6725C8-448E-40A9-9B38-4E25EFEF6E64}" type="datetimeFigureOut">
               <a:rPr lang="zh-CN" altLang="en-US" smtClean="0"/>
               <a:t>2024/3/10</a:t>
             </a:fld>
@@ -671,7 +671,7 @@
           <p:cNvPr id="5" name="页脚占位符 4">
             <a:extLst>
               <a:ext uri="{FF2B5EF4-FFF2-40B4-BE49-F238E27FC236}">
-                <a16:creationId xmlns:a16="http://schemas.microsoft.com/office/drawing/2014/main" id="{8DF23D17-688F-8489-66A8-0719ACE37DAD}"/>
+                <a16:creationId xmlns:a16="http://schemas.microsoft.com/office/drawing/2014/main" id="{5EF0FA2E-6BE5-FBB4-AD40-C52B8E42BC18}"/>
               </a:ext>
             </a:extLst>
           </p:cNvPr>
@@ -696,7 +696,7 @@
           <p:cNvPr id="6" name="灯片编号占位符 5">
             <a:extLst>
               <a:ext uri="{FF2B5EF4-FFF2-40B4-BE49-F238E27FC236}">
-                <a16:creationId xmlns:a16="http://schemas.microsoft.com/office/drawing/2014/main" id="{3435E42E-712D-1D2A-8CB1-D4FBE075B234}"/>
+                <a16:creationId xmlns:a16="http://schemas.microsoft.com/office/drawing/2014/main" id="{319CB24C-68D7-6F2A-EE8A-394C4370A7CE}"/>
               </a:ext>
             </a:extLst>
           </p:cNvPr>
@@ -712,7 +712,7 @@
           <a:bodyPr/>
           <a:lstStyle/>
           <a:p>
-            <a:fld id="{66E443BC-6725-4061-BA50-E1929B2B0DBB}" type="slidenum">
+            <a:fld id="{270F2DB2-A8E4-4AFA-8F69-716C341346EF}" type="slidenum">
               <a:rPr lang="zh-CN" altLang="en-US" smtClean="0"/>
               <a:t>‹#›</a:t>
             </a:fld>
@@ -723,7 +723,7 @@
     </p:spTree>
     <p:extLst>
       <p:ext uri="{BB962C8B-B14F-4D97-AF65-F5344CB8AC3E}">
-        <p14:creationId xmlns:p14="http://schemas.microsoft.com/office/powerpoint/2010/main" val="4120999492"/>
+        <p14:creationId xmlns:p14="http://schemas.microsoft.com/office/powerpoint/2010/main" val="3440771652"/>
       </p:ext>
     </p:extLst>
   </p:cSld>
@@ -755,7 +755,7 @@
           <p:cNvPr id="2" name="标题 1">
             <a:extLst>
               <a:ext uri="{FF2B5EF4-FFF2-40B4-BE49-F238E27FC236}">
-                <a16:creationId xmlns:a16="http://schemas.microsoft.com/office/drawing/2014/main" id="{977B944A-E6D4-C7FD-1AEE-A27EA3CACF5D}"/>
+                <a16:creationId xmlns:a16="http://schemas.microsoft.com/office/drawing/2014/main" id="{20BBF511-DE2A-AB0D-E69D-45ABE3D861A2}"/>
               </a:ext>
             </a:extLst>
           </p:cNvPr>
@@ -783,7 +783,7 @@
           <p:cNvPr id="3" name="内容占位符 2">
             <a:extLst>
               <a:ext uri="{FF2B5EF4-FFF2-40B4-BE49-F238E27FC236}">
-                <a16:creationId xmlns:a16="http://schemas.microsoft.com/office/drawing/2014/main" id="{07B3EAEA-BE3A-9FB8-F5F4-62CB882C7795}"/>
+                <a16:creationId xmlns:a16="http://schemas.microsoft.com/office/drawing/2014/main" id="{73F726F3-241B-0A61-C593-E142CA74A939}"/>
               </a:ext>
             </a:extLst>
           </p:cNvPr>
@@ -840,7 +840,7 @@
           <p:cNvPr id="4" name="日期占位符 3">
             <a:extLst>
               <a:ext uri="{FF2B5EF4-FFF2-40B4-BE49-F238E27FC236}">
-                <a16:creationId xmlns:a16="http://schemas.microsoft.com/office/drawing/2014/main" id="{BC42C6C9-5379-0860-3DB4-4A849B606035}"/>
+                <a16:creationId xmlns:a16="http://schemas.microsoft.com/office/drawing/2014/main" id="{5BFF7522-C10C-4F69-86C4-745ECF5FA252}"/>
               </a:ext>
             </a:extLst>
           </p:cNvPr>
@@ -856,7 +856,7 @@
           <a:bodyPr/>
           <a:lstStyle/>
           <a:p>
-            <a:fld id="{214D9F7F-ED2C-4ADA-BC45-E79174857B53}" type="datetimeFigureOut">
+            <a:fld id="{4D6725C8-448E-40A9-9B38-4E25EFEF6E64}" type="datetimeFigureOut">
               <a:rPr lang="zh-CN" altLang="en-US" smtClean="0"/>
               <a:t>2024/3/10</a:t>
             </a:fld>
@@ -869,7 +869,7 @@
           <p:cNvPr id="5" name="页脚占位符 4">
             <a:extLst>
               <a:ext uri="{FF2B5EF4-FFF2-40B4-BE49-F238E27FC236}">
-                <a16:creationId xmlns:a16="http://schemas.microsoft.com/office/drawing/2014/main" id="{229F0E3E-077B-EBE6-B8C7-5F309EDF4369}"/>
+                <a16:creationId xmlns:a16="http://schemas.microsoft.com/office/drawing/2014/main" id="{BFA21EA0-9DAE-BED5-30D2-8DC55799B583}"/>
               </a:ext>
             </a:extLst>
           </p:cNvPr>
@@ -894,7 +894,7 @@
           <p:cNvPr id="6" name="灯片编号占位符 5">
             <a:extLst>
               <a:ext uri="{FF2B5EF4-FFF2-40B4-BE49-F238E27FC236}">
-                <a16:creationId xmlns:a16="http://schemas.microsoft.com/office/drawing/2014/main" id="{3DDC70D7-5CFB-D263-B2A7-E520940182A2}"/>
+                <a16:creationId xmlns:a16="http://schemas.microsoft.com/office/drawing/2014/main" id="{F470EEFB-3312-18F6-719E-15F8A8430387}"/>
               </a:ext>
             </a:extLst>
           </p:cNvPr>
@@ -910,7 +910,7 @@
           <a:bodyPr/>
           <a:lstStyle/>
           <a:p>
-            <a:fld id="{66E443BC-6725-4061-BA50-E1929B2B0DBB}" type="slidenum">
+            <a:fld id="{270F2DB2-A8E4-4AFA-8F69-716C341346EF}" type="slidenum">
               <a:rPr lang="zh-CN" altLang="en-US" smtClean="0"/>
               <a:t>‹#›</a:t>
             </a:fld>
@@ -921,7 +921,7 @@
     </p:spTree>
     <p:extLst>
       <p:ext uri="{BB962C8B-B14F-4D97-AF65-F5344CB8AC3E}">
-        <p14:creationId xmlns:p14="http://schemas.microsoft.com/office/powerpoint/2010/main" val="1372673353"/>
+        <p14:creationId xmlns:p14="http://schemas.microsoft.com/office/powerpoint/2010/main" val="1093969152"/>
       </p:ext>
     </p:extLst>
   </p:cSld>
@@ -953,7 +953,7 @@
           <p:cNvPr id="2" name="标题 1">
             <a:extLst>
               <a:ext uri="{FF2B5EF4-FFF2-40B4-BE49-F238E27FC236}">
-                <a16:creationId xmlns:a16="http://schemas.microsoft.com/office/drawing/2014/main" id="{43D78DCC-558E-DA8A-6FB1-16D7D673DA79}"/>
+                <a16:creationId xmlns:a16="http://schemas.microsoft.com/office/drawing/2014/main" id="{AF54E0CC-E871-E47F-D52B-786B0C30631B}"/>
               </a:ext>
             </a:extLst>
           </p:cNvPr>
@@ -990,7 +990,7 @@
           <p:cNvPr id="3" name="文本占位符 2">
             <a:extLst>
               <a:ext uri="{FF2B5EF4-FFF2-40B4-BE49-F238E27FC236}">
-                <a16:creationId xmlns:a16="http://schemas.microsoft.com/office/drawing/2014/main" id="{73B3D713-816B-36C2-BBA3-B9E2CC9BDD4B}"/>
+                <a16:creationId xmlns:a16="http://schemas.microsoft.com/office/drawing/2014/main" id="{C73D184E-EB75-526B-3E62-8947B5CD63B5}"/>
               </a:ext>
             </a:extLst>
           </p:cNvPr>
@@ -1115,7 +1115,7 @@
           <p:cNvPr id="4" name="日期占位符 3">
             <a:extLst>
               <a:ext uri="{FF2B5EF4-FFF2-40B4-BE49-F238E27FC236}">
-                <a16:creationId xmlns:a16="http://schemas.microsoft.com/office/drawing/2014/main" id="{397CBB60-C757-4C3D-EC67-8B8CDFC3D62A}"/>
+                <a16:creationId xmlns:a16="http://schemas.microsoft.com/office/drawing/2014/main" id="{910B9928-AD1F-1B26-1C04-B7EBF6C76296}"/>
               </a:ext>
             </a:extLst>
           </p:cNvPr>
@@ -1131,7 +1131,7 @@
           <a:bodyPr/>
           <a:lstStyle/>
           <a:p>
-            <a:fld id="{214D9F7F-ED2C-4ADA-BC45-E79174857B53}" type="datetimeFigureOut">
+            <a:fld id="{4D6725C8-448E-40A9-9B38-4E25EFEF6E64}" type="datetimeFigureOut">
               <a:rPr lang="zh-CN" altLang="en-US" smtClean="0"/>
               <a:t>2024/3/10</a:t>
             </a:fld>
@@ -1144,7 +1144,7 @@
           <p:cNvPr id="5" name="页脚占位符 4">
             <a:extLst>
               <a:ext uri="{FF2B5EF4-FFF2-40B4-BE49-F238E27FC236}">
-                <a16:creationId xmlns:a16="http://schemas.microsoft.com/office/drawing/2014/main" id="{3DCCC71A-BAE2-0A9B-3B0C-374EB478E3BC}"/>
+                <a16:creationId xmlns:a16="http://schemas.microsoft.com/office/drawing/2014/main" id="{2456733E-4139-BAD0-0997-CFD9FB5B4124}"/>
               </a:ext>
             </a:extLst>
           </p:cNvPr>
@@ -1169,7 +1169,7 @@
           <p:cNvPr id="6" name="灯片编号占位符 5">
             <a:extLst>
               <a:ext uri="{FF2B5EF4-FFF2-40B4-BE49-F238E27FC236}">
-                <a16:creationId xmlns:a16="http://schemas.microsoft.com/office/drawing/2014/main" id="{50DCE1C6-D017-7102-B00B-2F4EBF362E94}"/>
+                <a16:creationId xmlns:a16="http://schemas.microsoft.com/office/drawing/2014/main" id="{943B3154-62DA-5FBF-BE03-C5CEEFD92DCE}"/>
               </a:ext>
             </a:extLst>
           </p:cNvPr>
@@ -1185,7 +1185,7 @@
           <a:bodyPr/>
           <a:lstStyle/>
           <a:p>
-            <a:fld id="{66E443BC-6725-4061-BA50-E1929B2B0DBB}" type="slidenum">
+            <a:fld id="{270F2DB2-A8E4-4AFA-8F69-716C341346EF}" type="slidenum">
               <a:rPr lang="zh-CN" altLang="en-US" smtClean="0"/>
               <a:t>‹#›</a:t>
             </a:fld>
@@ -1196,7 +1196,7 @@
     </p:spTree>
     <p:extLst>
       <p:ext uri="{BB962C8B-B14F-4D97-AF65-F5344CB8AC3E}">
-        <p14:creationId xmlns:p14="http://schemas.microsoft.com/office/powerpoint/2010/main" val="67677120"/>
+        <p14:creationId xmlns:p14="http://schemas.microsoft.com/office/powerpoint/2010/main" val="457544080"/>
       </p:ext>
     </p:extLst>
   </p:cSld>
@@ -1228,7 +1228,7 @@
           <p:cNvPr id="2" name="标题 1">
             <a:extLst>
               <a:ext uri="{FF2B5EF4-FFF2-40B4-BE49-F238E27FC236}">
-                <a16:creationId xmlns:a16="http://schemas.microsoft.com/office/drawing/2014/main" id="{9AD0AA2B-7C09-D5D0-5513-77CC74907FF1}"/>
+                <a16:creationId xmlns:a16="http://schemas.microsoft.com/office/drawing/2014/main" id="{8AC9614F-0599-FA69-C638-38DEF2A52802}"/>
               </a:ext>
             </a:extLst>
           </p:cNvPr>
@@ -1256,7 +1256,7 @@
           <p:cNvPr id="3" name="内容占位符 2">
             <a:extLst>
               <a:ext uri="{FF2B5EF4-FFF2-40B4-BE49-F238E27FC236}">
-                <a16:creationId xmlns:a16="http://schemas.microsoft.com/office/drawing/2014/main" id="{018B2F37-35CB-010B-324D-F6B71917E715}"/>
+                <a16:creationId xmlns:a16="http://schemas.microsoft.com/office/drawing/2014/main" id="{3A2F239B-866B-14E7-C15C-1A177B57C3A1}"/>
               </a:ext>
             </a:extLst>
           </p:cNvPr>
@@ -1318,7 +1318,7 @@
           <p:cNvPr id="4" name="内容占位符 3">
             <a:extLst>
               <a:ext uri="{FF2B5EF4-FFF2-40B4-BE49-F238E27FC236}">
-                <a16:creationId xmlns:a16="http://schemas.microsoft.com/office/drawing/2014/main" id="{094A22A6-BFC3-F82F-7178-21C388B4E58F}"/>
+                <a16:creationId xmlns:a16="http://schemas.microsoft.com/office/drawing/2014/main" id="{C89D446E-BF42-53BC-623C-31419100D8D0}"/>
               </a:ext>
             </a:extLst>
           </p:cNvPr>
@@ -1380,7 +1380,7 @@
           <p:cNvPr id="5" name="日期占位符 4">
             <a:extLst>
               <a:ext uri="{FF2B5EF4-FFF2-40B4-BE49-F238E27FC236}">
-                <a16:creationId xmlns:a16="http://schemas.microsoft.com/office/drawing/2014/main" id="{90B0634E-0A70-190A-4081-FC320981737C}"/>
+                <a16:creationId xmlns:a16="http://schemas.microsoft.com/office/drawing/2014/main" id="{4681CFF3-7AA4-CB8C-521D-18FEB634C889}"/>
               </a:ext>
             </a:extLst>
           </p:cNvPr>
@@ -1396,7 +1396,7 @@
           <a:bodyPr/>
           <a:lstStyle/>
           <a:p>
-            <a:fld id="{214D9F7F-ED2C-4ADA-BC45-E79174857B53}" type="datetimeFigureOut">
+            <a:fld id="{4D6725C8-448E-40A9-9B38-4E25EFEF6E64}" type="datetimeFigureOut">
               <a:rPr lang="zh-CN" altLang="en-US" smtClean="0"/>
               <a:t>2024/3/10</a:t>
             </a:fld>
@@ -1409,7 +1409,7 @@
           <p:cNvPr id="6" name="页脚占位符 5">
             <a:extLst>
               <a:ext uri="{FF2B5EF4-FFF2-40B4-BE49-F238E27FC236}">
-                <a16:creationId xmlns:a16="http://schemas.microsoft.com/office/drawing/2014/main" id="{2DD473FF-00FF-072E-B8B0-B61A6140AF11}"/>
+                <a16:creationId xmlns:a16="http://schemas.microsoft.com/office/drawing/2014/main" id="{EBEE7965-0998-7F23-4CF5-5A40F98B139A}"/>
               </a:ext>
             </a:extLst>
           </p:cNvPr>
@@ -1434,7 +1434,7 @@
           <p:cNvPr id="7" name="灯片编号占位符 6">
             <a:extLst>
               <a:ext uri="{FF2B5EF4-FFF2-40B4-BE49-F238E27FC236}">
-                <a16:creationId xmlns:a16="http://schemas.microsoft.com/office/drawing/2014/main" id="{57B2D8D0-C782-B452-68D1-0E27B86BBD1C}"/>
+                <a16:creationId xmlns:a16="http://schemas.microsoft.com/office/drawing/2014/main" id="{D881EC63-23E5-272C-4938-7C3421E38945}"/>
               </a:ext>
             </a:extLst>
           </p:cNvPr>
@@ -1450,7 +1450,7 @@
           <a:bodyPr/>
           <a:lstStyle/>
           <a:p>
-            <a:fld id="{66E443BC-6725-4061-BA50-E1929B2B0DBB}" type="slidenum">
+            <a:fld id="{270F2DB2-A8E4-4AFA-8F69-716C341346EF}" type="slidenum">
               <a:rPr lang="zh-CN" altLang="en-US" smtClean="0"/>
               <a:t>‹#›</a:t>
             </a:fld>
@@ -1461,7 +1461,7 @@
     </p:spTree>
     <p:extLst>
       <p:ext uri="{BB962C8B-B14F-4D97-AF65-F5344CB8AC3E}">
-        <p14:creationId xmlns:p14="http://schemas.microsoft.com/office/powerpoint/2010/main" val="2801046881"/>
+        <p14:creationId xmlns:p14="http://schemas.microsoft.com/office/powerpoint/2010/main" val="1278596388"/>
       </p:ext>
     </p:extLst>
   </p:cSld>
@@ -1493,7 +1493,7 @@
           <p:cNvPr id="2" name="标题 1">
             <a:extLst>
               <a:ext uri="{FF2B5EF4-FFF2-40B4-BE49-F238E27FC236}">
-                <a16:creationId xmlns:a16="http://schemas.microsoft.com/office/drawing/2014/main" id="{EFD750FB-E4F9-D235-64B4-ECDFFDD58CAD}"/>
+                <a16:creationId xmlns:a16="http://schemas.microsoft.com/office/drawing/2014/main" id="{83FF61C8-577B-3FB6-8C9C-A396CC275959}"/>
               </a:ext>
             </a:extLst>
           </p:cNvPr>
@@ -1526,7 +1526,7 @@
           <p:cNvPr id="3" name="文本占位符 2">
             <a:extLst>
               <a:ext uri="{FF2B5EF4-FFF2-40B4-BE49-F238E27FC236}">
-                <a16:creationId xmlns:a16="http://schemas.microsoft.com/office/drawing/2014/main" id="{B3A8C610-61BD-6BEB-1D5C-DF4184378177}"/>
+                <a16:creationId xmlns:a16="http://schemas.microsoft.com/office/drawing/2014/main" id="{74B083DE-75D6-2C64-9983-272458C6F6EE}"/>
               </a:ext>
             </a:extLst>
           </p:cNvPr>
@@ -1597,7 +1597,7 @@
           <p:cNvPr id="4" name="内容占位符 3">
             <a:extLst>
               <a:ext uri="{FF2B5EF4-FFF2-40B4-BE49-F238E27FC236}">
-                <a16:creationId xmlns:a16="http://schemas.microsoft.com/office/drawing/2014/main" id="{9F8E2718-CE04-6292-5183-D41745E5B82F}"/>
+                <a16:creationId xmlns:a16="http://schemas.microsoft.com/office/drawing/2014/main" id="{BE4E0B9A-DBD8-3589-FBD2-DE206313BC26}"/>
               </a:ext>
             </a:extLst>
           </p:cNvPr>
@@ -1659,7 +1659,7 @@
           <p:cNvPr id="5" name="文本占位符 4">
             <a:extLst>
               <a:ext uri="{FF2B5EF4-FFF2-40B4-BE49-F238E27FC236}">
-                <a16:creationId xmlns:a16="http://schemas.microsoft.com/office/drawing/2014/main" id="{468358F2-4BCB-A6BC-AF24-007D24AB4007}"/>
+                <a16:creationId xmlns:a16="http://schemas.microsoft.com/office/drawing/2014/main" id="{3C8E0F82-58E5-7E37-5FD2-2A6A45CCC72C}"/>
               </a:ext>
             </a:extLst>
           </p:cNvPr>
@@ -1730,7 +1730,7 @@
           <p:cNvPr id="6" name="内容占位符 5">
             <a:extLst>
               <a:ext uri="{FF2B5EF4-FFF2-40B4-BE49-F238E27FC236}">
-                <a16:creationId xmlns:a16="http://schemas.microsoft.com/office/drawing/2014/main" id="{9B2DCFB2-C178-A59B-CE74-159D36683AAE}"/>
+                <a16:creationId xmlns:a16="http://schemas.microsoft.com/office/drawing/2014/main" id="{37151825-3A56-3C39-E601-970B6634E688}"/>
               </a:ext>
             </a:extLst>
           </p:cNvPr>
@@ -1792,7 +1792,7 @@
           <p:cNvPr id="7" name="日期占位符 6">
             <a:extLst>
               <a:ext uri="{FF2B5EF4-FFF2-40B4-BE49-F238E27FC236}">
-                <a16:creationId xmlns:a16="http://schemas.microsoft.com/office/drawing/2014/main" id="{7AD3B265-7A8D-DA92-135A-E9F8382B88F2}"/>
+                <a16:creationId xmlns:a16="http://schemas.microsoft.com/office/drawing/2014/main" id="{AECEFC66-1E0C-F7C0-D8C5-8C5E7170F2FB}"/>
               </a:ext>
             </a:extLst>
           </p:cNvPr>
@@ -1808,7 +1808,7 @@
           <a:bodyPr/>
           <a:lstStyle/>
           <a:p>
-            <a:fld id="{214D9F7F-ED2C-4ADA-BC45-E79174857B53}" type="datetimeFigureOut">
+            <a:fld id="{4D6725C8-448E-40A9-9B38-4E25EFEF6E64}" type="datetimeFigureOut">
               <a:rPr lang="zh-CN" altLang="en-US" smtClean="0"/>
               <a:t>2024/3/10</a:t>
             </a:fld>
@@ -1821,7 +1821,7 @@
           <p:cNvPr id="8" name="页脚占位符 7">
             <a:extLst>
               <a:ext uri="{FF2B5EF4-FFF2-40B4-BE49-F238E27FC236}">
-                <a16:creationId xmlns:a16="http://schemas.microsoft.com/office/drawing/2014/main" id="{439F5772-F410-D8A5-397E-ED0EE5636E46}"/>
+                <a16:creationId xmlns:a16="http://schemas.microsoft.com/office/drawing/2014/main" id="{FCE150D1-B47B-77F0-29B6-8CA90D18AB0D}"/>
               </a:ext>
             </a:extLst>
           </p:cNvPr>
@@ -1846,7 +1846,7 @@
           <p:cNvPr id="9" name="灯片编号占位符 8">
             <a:extLst>
               <a:ext uri="{FF2B5EF4-FFF2-40B4-BE49-F238E27FC236}">
-                <a16:creationId xmlns:a16="http://schemas.microsoft.com/office/drawing/2014/main" id="{81DB6D10-AB5F-C0C4-C8C0-F19E164B4794}"/>
+                <a16:creationId xmlns:a16="http://schemas.microsoft.com/office/drawing/2014/main" id="{9644FF04-4CE1-5B22-AB14-7DE2DCFC9C21}"/>
               </a:ext>
             </a:extLst>
           </p:cNvPr>
@@ -1862,7 +1862,7 @@
           <a:bodyPr/>
           <a:lstStyle/>
           <a:p>
-            <a:fld id="{66E443BC-6725-4061-BA50-E1929B2B0DBB}" type="slidenum">
+            <a:fld id="{270F2DB2-A8E4-4AFA-8F69-716C341346EF}" type="slidenum">
               <a:rPr lang="zh-CN" altLang="en-US" smtClean="0"/>
               <a:t>‹#›</a:t>
             </a:fld>
@@ -1873,7 +1873,7 @@
     </p:spTree>
     <p:extLst>
       <p:ext uri="{BB962C8B-B14F-4D97-AF65-F5344CB8AC3E}">
-        <p14:creationId xmlns:p14="http://schemas.microsoft.com/office/powerpoint/2010/main" val="188113100"/>
+        <p14:creationId xmlns:p14="http://schemas.microsoft.com/office/powerpoint/2010/main" val="572762882"/>
       </p:ext>
     </p:extLst>
   </p:cSld>
@@ -1905,7 +1905,7 @@
           <p:cNvPr id="2" name="标题 1">
             <a:extLst>
               <a:ext uri="{FF2B5EF4-FFF2-40B4-BE49-F238E27FC236}">
-                <a16:creationId xmlns:a16="http://schemas.microsoft.com/office/drawing/2014/main" id="{135DAB93-CB9C-5F9D-DBEF-8A3EFC3B3ED2}"/>
+                <a16:creationId xmlns:a16="http://schemas.microsoft.com/office/drawing/2014/main" id="{B7778DBE-94E5-8947-DF26-7439FE19E655}"/>
               </a:ext>
             </a:extLst>
           </p:cNvPr>
@@ -1933,7 +1933,7 @@
           <p:cNvPr id="3" name="日期占位符 2">
             <a:extLst>
               <a:ext uri="{FF2B5EF4-FFF2-40B4-BE49-F238E27FC236}">
-                <a16:creationId xmlns:a16="http://schemas.microsoft.com/office/drawing/2014/main" id="{0D5D1718-3A3F-E04D-A6E2-2B83776E7C86}"/>
+                <a16:creationId xmlns:a16="http://schemas.microsoft.com/office/drawing/2014/main" id="{171BC8DD-B33E-3D72-8EC2-3959F7604977}"/>
               </a:ext>
             </a:extLst>
           </p:cNvPr>
@@ -1949,7 +1949,7 @@
           <a:bodyPr/>
           <a:lstStyle/>
           <a:p>
-            <a:fld id="{214D9F7F-ED2C-4ADA-BC45-E79174857B53}" type="datetimeFigureOut">
+            <a:fld id="{4D6725C8-448E-40A9-9B38-4E25EFEF6E64}" type="datetimeFigureOut">
               <a:rPr lang="zh-CN" altLang="en-US" smtClean="0"/>
               <a:t>2024/3/10</a:t>
             </a:fld>
@@ -1962,7 +1962,7 @@
           <p:cNvPr id="4" name="页脚占位符 3">
             <a:extLst>
               <a:ext uri="{FF2B5EF4-FFF2-40B4-BE49-F238E27FC236}">
-                <a16:creationId xmlns:a16="http://schemas.microsoft.com/office/drawing/2014/main" id="{2B3641AD-4450-8833-B2C0-E70B223096BB}"/>
+                <a16:creationId xmlns:a16="http://schemas.microsoft.com/office/drawing/2014/main" id="{F570A4E4-A3D0-27FF-0DD5-8F436AD52103}"/>
               </a:ext>
             </a:extLst>
           </p:cNvPr>
@@ -1987,7 +1987,7 @@
           <p:cNvPr id="5" name="灯片编号占位符 4">
             <a:extLst>
               <a:ext uri="{FF2B5EF4-FFF2-40B4-BE49-F238E27FC236}">
-                <a16:creationId xmlns:a16="http://schemas.microsoft.com/office/drawing/2014/main" id="{61E27316-E013-1219-1E99-B4304719BD8D}"/>
+                <a16:creationId xmlns:a16="http://schemas.microsoft.com/office/drawing/2014/main" id="{8D2FCB80-6D39-0A58-8A29-B222AEC3513C}"/>
               </a:ext>
             </a:extLst>
           </p:cNvPr>
@@ -2003,7 +2003,7 @@
           <a:bodyPr/>
           <a:lstStyle/>
           <a:p>
-            <a:fld id="{66E443BC-6725-4061-BA50-E1929B2B0DBB}" type="slidenum">
+            <a:fld id="{270F2DB2-A8E4-4AFA-8F69-716C341346EF}" type="slidenum">
               <a:rPr lang="zh-CN" altLang="en-US" smtClean="0"/>
               <a:t>‹#›</a:t>
             </a:fld>
@@ -2014,7 +2014,7 @@
     </p:spTree>
     <p:extLst>
       <p:ext uri="{BB962C8B-B14F-4D97-AF65-F5344CB8AC3E}">
-        <p14:creationId xmlns:p14="http://schemas.microsoft.com/office/powerpoint/2010/main" val="431247385"/>
+        <p14:creationId xmlns:p14="http://schemas.microsoft.com/office/powerpoint/2010/main" val="4123098851"/>
       </p:ext>
     </p:extLst>
   </p:cSld>
@@ -2046,7 +2046,7 @@
           <p:cNvPr id="2" name="日期占位符 1">
             <a:extLst>
               <a:ext uri="{FF2B5EF4-FFF2-40B4-BE49-F238E27FC236}">
-                <a16:creationId xmlns:a16="http://schemas.microsoft.com/office/drawing/2014/main" id="{0D802DDD-83F8-61CD-8598-D5B8CE58ED12}"/>
+                <a16:creationId xmlns:a16="http://schemas.microsoft.com/office/drawing/2014/main" id="{778BF8C7-4DE0-81FB-31C8-34D9DCA98308}"/>
               </a:ext>
             </a:extLst>
           </p:cNvPr>
@@ -2062,7 +2062,7 @@
           <a:bodyPr/>
           <a:lstStyle/>
           <a:p>
-            <a:fld id="{214D9F7F-ED2C-4ADA-BC45-E79174857B53}" type="datetimeFigureOut">
+            <a:fld id="{4D6725C8-448E-40A9-9B38-4E25EFEF6E64}" type="datetimeFigureOut">
               <a:rPr lang="zh-CN" altLang="en-US" smtClean="0"/>
               <a:t>2024/3/10</a:t>
             </a:fld>
@@ -2075,7 +2075,7 @@
           <p:cNvPr id="3" name="页脚占位符 2">
             <a:extLst>
               <a:ext uri="{FF2B5EF4-FFF2-40B4-BE49-F238E27FC236}">
-                <a16:creationId xmlns:a16="http://schemas.microsoft.com/office/drawing/2014/main" id="{54BB88E5-C999-AE80-DB18-88E61C11A5A5}"/>
+                <a16:creationId xmlns:a16="http://schemas.microsoft.com/office/drawing/2014/main" id="{AF014C0F-B8B9-7C68-FCEB-3BF6BD989440}"/>
               </a:ext>
             </a:extLst>
           </p:cNvPr>
@@ -2100,7 +2100,7 @@
           <p:cNvPr id="4" name="灯片编号占位符 3">
             <a:extLst>
               <a:ext uri="{FF2B5EF4-FFF2-40B4-BE49-F238E27FC236}">
-                <a16:creationId xmlns:a16="http://schemas.microsoft.com/office/drawing/2014/main" id="{9BD490F2-AE17-098F-0CF5-11C5CCA8D099}"/>
+                <a16:creationId xmlns:a16="http://schemas.microsoft.com/office/drawing/2014/main" id="{B628CD83-067B-4C28-5827-8A769B8F07E0}"/>
               </a:ext>
             </a:extLst>
           </p:cNvPr>
@@ -2116,7 +2116,7 @@
           <a:bodyPr/>
           <a:lstStyle/>
           <a:p>
-            <a:fld id="{66E443BC-6725-4061-BA50-E1929B2B0DBB}" type="slidenum">
+            <a:fld id="{270F2DB2-A8E4-4AFA-8F69-716C341346EF}" type="slidenum">
               <a:rPr lang="zh-CN" altLang="en-US" smtClean="0"/>
               <a:t>‹#›</a:t>
             </a:fld>
@@ -2127,7 +2127,7 @@
     </p:spTree>
     <p:extLst>
       <p:ext uri="{BB962C8B-B14F-4D97-AF65-F5344CB8AC3E}">
-        <p14:creationId xmlns:p14="http://schemas.microsoft.com/office/powerpoint/2010/main" val="967878430"/>
+        <p14:creationId xmlns:p14="http://schemas.microsoft.com/office/powerpoint/2010/main" val="1984331393"/>
       </p:ext>
     </p:extLst>
   </p:cSld>
@@ -2159,7 +2159,7 @@
           <p:cNvPr id="2" name="标题 1">
             <a:extLst>
               <a:ext uri="{FF2B5EF4-FFF2-40B4-BE49-F238E27FC236}">
-                <a16:creationId xmlns:a16="http://schemas.microsoft.com/office/drawing/2014/main" id="{C4BF90C3-4864-ACC0-956D-E43190395FAA}"/>
+                <a16:creationId xmlns:a16="http://schemas.microsoft.com/office/drawing/2014/main" id="{64B0F94B-CD64-0CFD-8969-ED71CD6C350B}"/>
               </a:ext>
             </a:extLst>
           </p:cNvPr>
@@ -2196,7 +2196,7 @@
           <p:cNvPr id="3" name="内容占位符 2">
             <a:extLst>
               <a:ext uri="{FF2B5EF4-FFF2-40B4-BE49-F238E27FC236}">
-                <a16:creationId xmlns:a16="http://schemas.microsoft.com/office/drawing/2014/main" id="{7F06A8E9-A3BF-4B71-07B6-95E39261B618}"/>
+                <a16:creationId xmlns:a16="http://schemas.microsoft.com/office/drawing/2014/main" id="{52A7BD0A-E85E-9BE3-83A3-5A9FE4E15D1B}"/>
               </a:ext>
             </a:extLst>
           </p:cNvPr>
@@ -2286,7 +2286,7 @@
           <p:cNvPr id="4" name="文本占位符 3">
             <a:extLst>
               <a:ext uri="{FF2B5EF4-FFF2-40B4-BE49-F238E27FC236}">
-                <a16:creationId xmlns:a16="http://schemas.microsoft.com/office/drawing/2014/main" id="{577C4F14-4054-9575-B58D-DE4C196D494E}"/>
+                <a16:creationId xmlns:a16="http://schemas.microsoft.com/office/drawing/2014/main" id="{0F573DF1-0D8D-8BAF-A8CF-623765F04695}"/>
               </a:ext>
             </a:extLst>
           </p:cNvPr>
@@ -2357,7 +2357,7 @@
           <p:cNvPr id="5" name="日期占位符 4">
             <a:extLst>
               <a:ext uri="{FF2B5EF4-FFF2-40B4-BE49-F238E27FC236}">
-                <a16:creationId xmlns:a16="http://schemas.microsoft.com/office/drawing/2014/main" id="{B6A3F536-5AB0-B7C6-508A-E7EE9093965A}"/>
+                <a16:creationId xmlns:a16="http://schemas.microsoft.com/office/drawing/2014/main" id="{F65645FD-E355-6053-E32B-6F12BF7C2590}"/>
               </a:ext>
             </a:extLst>
           </p:cNvPr>
@@ -2373,7 +2373,7 @@
           <a:bodyPr/>
           <a:lstStyle/>
           <a:p>
-            <a:fld id="{214D9F7F-ED2C-4ADA-BC45-E79174857B53}" type="datetimeFigureOut">
+            <a:fld id="{4D6725C8-448E-40A9-9B38-4E25EFEF6E64}" type="datetimeFigureOut">
               <a:rPr lang="zh-CN" altLang="en-US" smtClean="0"/>
               <a:t>2024/3/10</a:t>
             </a:fld>
@@ -2386,7 +2386,7 @@
           <p:cNvPr id="6" name="页脚占位符 5">
             <a:extLst>
               <a:ext uri="{FF2B5EF4-FFF2-40B4-BE49-F238E27FC236}">
-                <a16:creationId xmlns:a16="http://schemas.microsoft.com/office/drawing/2014/main" id="{FF80BD53-D268-12B1-76CD-22410CD6EB87}"/>
+                <a16:creationId xmlns:a16="http://schemas.microsoft.com/office/drawing/2014/main" id="{864CE2FB-B62A-2492-E707-4BEEF300C50A}"/>
               </a:ext>
             </a:extLst>
           </p:cNvPr>
@@ -2411,7 +2411,7 @@
           <p:cNvPr id="7" name="灯片编号占位符 6">
             <a:extLst>
               <a:ext uri="{FF2B5EF4-FFF2-40B4-BE49-F238E27FC236}">
-                <a16:creationId xmlns:a16="http://schemas.microsoft.com/office/drawing/2014/main" id="{931109EC-3AEE-BF53-36DF-322D5661DCD5}"/>
+                <a16:creationId xmlns:a16="http://schemas.microsoft.com/office/drawing/2014/main" id="{29337D44-ABC4-B856-F475-541050C53808}"/>
               </a:ext>
             </a:extLst>
           </p:cNvPr>
@@ -2427,7 +2427,7 @@
           <a:bodyPr/>
           <a:lstStyle/>
           <a:p>
-            <a:fld id="{66E443BC-6725-4061-BA50-E1929B2B0DBB}" type="slidenum">
+            <a:fld id="{270F2DB2-A8E4-4AFA-8F69-716C341346EF}" type="slidenum">
               <a:rPr lang="zh-CN" altLang="en-US" smtClean="0"/>
               <a:t>‹#›</a:t>
             </a:fld>
@@ -2438,7 +2438,7 @@
     </p:spTree>
     <p:extLst>
       <p:ext uri="{BB962C8B-B14F-4D97-AF65-F5344CB8AC3E}">
-        <p14:creationId xmlns:p14="http://schemas.microsoft.com/office/powerpoint/2010/main" val="3800970906"/>
+        <p14:creationId xmlns:p14="http://schemas.microsoft.com/office/powerpoint/2010/main" val="659949978"/>
       </p:ext>
     </p:extLst>
   </p:cSld>
@@ -2470,7 +2470,7 @@
           <p:cNvPr id="2" name="标题 1">
             <a:extLst>
               <a:ext uri="{FF2B5EF4-FFF2-40B4-BE49-F238E27FC236}">
-                <a16:creationId xmlns:a16="http://schemas.microsoft.com/office/drawing/2014/main" id="{3BC4D1B1-661E-9AF6-2875-1BA176DEF64A}"/>
+                <a16:creationId xmlns:a16="http://schemas.microsoft.com/office/drawing/2014/main" id="{9D1D0203-5DD7-9A76-42E0-344D2805BF4A}"/>
               </a:ext>
             </a:extLst>
           </p:cNvPr>
@@ -2507,7 +2507,7 @@
           <p:cNvPr id="3" name="图片占位符 2">
             <a:extLst>
               <a:ext uri="{FF2B5EF4-FFF2-40B4-BE49-F238E27FC236}">
-                <a16:creationId xmlns:a16="http://schemas.microsoft.com/office/drawing/2014/main" id="{9DEB038E-FC6D-9CD0-77D7-DD6C459FAF2C}"/>
+                <a16:creationId xmlns:a16="http://schemas.microsoft.com/office/drawing/2014/main" id="{64589DEC-B883-8443-273B-659A4D292220}"/>
               </a:ext>
             </a:extLst>
           </p:cNvPr>
@@ -2574,7 +2574,7 @@
           <p:cNvPr id="4" name="文本占位符 3">
             <a:extLst>
               <a:ext uri="{FF2B5EF4-FFF2-40B4-BE49-F238E27FC236}">
-                <a16:creationId xmlns:a16="http://schemas.microsoft.com/office/drawing/2014/main" id="{40AFBD40-24E8-5813-A0C1-96C0E2412732}"/>
+                <a16:creationId xmlns:a16="http://schemas.microsoft.com/office/drawing/2014/main" id="{618E182E-723B-E292-7DA9-0D312335CF03}"/>
               </a:ext>
             </a:extLst>
           </p:cNvPr>
@@ -2645,7 +2645,7 @@
           <p:cNvPr id="5" name="日期占位符 4">
             <a:extLst>
               <a:ext uri="{FF2B5EF4-FFF2-40B4-BE49-F238E27FC236}">
-                <a16:creationId xmlns:a16="http://schemas.microsoft.com/office/drawing/2014/main" id="{BF4C2A18-EBB3-C4B5-3FC8-7A4A44DB1A44}"/>
+                <a16:creationId xmlns:a16="http://schemas.microsoft.com/office/drawing/2014/main" id="{30C88166-D29E-8EA3-26E3-9831A0602128}"/>
               </a:ext>
             </a:extLst>
           </p:cNvPr>
@@ -2661,7 +2661,7 @@
           <a:bodyPr/>
           <a:lstStyle/>
           <a:p>
-            <a:fld id="{214D9F7F-ED2C-4ADA-BC45-E79174857B53}" type="datetimeFigureOut">
+            <a:fld id="{4D6725C8-448E-40A9-9B38-4E25EFEF6E64}" type="datetimeFigureOut">
               <a:rPr lang="zh-CN" altLang="en-US" smtClean="0"/>
               <a:t>2024/3/10</a:t>
             </a:fld>
@@ -2674,7 +2674,7 @@
           <p:cNvPr id="6" name="页脚占位符 5">
             <a:extLst>
               <a:ext uri="{FF2B5EF4-FFF2-40B4-BE49-F238E27FC236}">
-                <a16:creationId xmlns:a16="http://schemas.microsoft.com/office/drawing/2014/main" id="{C9B3173A-0626-EC9D-76E3-5665DDBB7455}"/>
+                <a16:creationId xmlns:a16="http://schemas.microsoft.com/office/drawing/2014/main" id="{E51A9A37-055B-78C2-09AE-D7B744D8166B}"/>
               </a:ext>
             </a:extLst>
           </p:cNvPr>
@@ -2699,7 +2699,7 @@
           <p:cNvPr id="7" name="灯片编号占位符 6">
             <a:extLst>
               <a:ext uri="{FF2B5EF4-FFF2-40B4-BE49-F238E27FC236}">
-                <a16:creationId xmlns:a16="http://schemas.microsoft.com/office/drawing/2014/main" id="{FFD6AF75-9517-2C0B-344D-65180D21DDB0}"/>
+                <a16:creationId xmlns:a16="http://schemas.microsoft.com/office/drawing/2014/main" id="{AA0A9081-15F8-98C6-6C2D-97A5DC00F78F}"/>
               </a:ext>
             </a:extLst>
           </p:cNvPr>
@@ -2715,7 +2715,7 @@
           <a:bodyPr/>
           <a:lstStyle/>
           <a:p>
-            <a:fld id="{66E443BC-6725-4061-BA50-E1929B2B0DBB}" type="slidenum">
+            <a:fld id="{270F2DB2-A8E4-4AFA-8F69-716C341346EF}" type="slidenum">
               <a:rPr lang="zh-CN" altLang="en-US" smtClean="0"/>
               <a:t>‹#›</a:t>
             </a:fld>
@@ -2726,7 +2726,7 @@
     </p:spTree>
     <p:extLst>
       <p:ext uri="{BB962C8B-B14F-4D97-AF65-F5344CB8AC3E}">
-        <p14:creationId xmlns:p14="http://schemas.microsoft.com/office/powerpoint/2010/main" val="3811842292"/>
+        <p14:creationId xmlns:p14="http://schemas.microsoft.com/office/powerpoint/2010/main" val="3944609252"/>
       </p:ext>
     </p:extLst>
   </p:cSld>
@@ -2763,7 +2763,7 @@
           <p:cNvPr id="2" name="标题占位符 1">
             <a:extLst>
               <a:ext uri="{FF2B5EF4-FFF2-40B4-BE49-F238E27FC236}">
-                <a16:creationId xmlns:a16="http://schemas.microsoft.com/office/drawing/2014/main" id="{46BD6314-84CD-FEC1-FC33-72474E2D9C74}"/>
+                <a16:creationId xmlns:a16="http://schemas.microsoft.com/office/drawing/2014/main" id="{46FBC12C-5D9A-4826-DC6B-12B430963D72}"/>
               </a:ext>
             </a:extLst>
           </p:cNvPr>
@@ -2801,7 +2801,7 @@
           <p:cNvPr id="3" name="文本占位符 2">
             <a:extLst>
               <a:ext uri="{FF2B5EF4-FFF2-40B4-BE49-F238E27FC236}">
-                <a16:creationId xmlns:a16="http://schemas.microsoft.com/office/drawing/2014/main" id="{08B9949C-475D-9382-0B30-CBA665A463C2}"/>
+                <a16:creationId xmlns:a16="http://schemas.microsoft.com/office/drawing/2014/main" id="{2197C6BE-CD4A-26C9-9C35-54DB479F570F}"/>
               </a:ext>
             </a:extLst>
           </p:cNvPr>
@@ -2868,7 +2868,7 @@
           <p:cNvPr id="4" name="日期占位符 3">
             <a:extLst>
               <a:ext uri="{FF2B5EF4-FFF2-40B4-BE49-F238E27FC236}">
-                <a16:creationId xmlns:a16="http://schemas.microsoft.com/office/drawing/2014/main" id="{F611F9ED-37A6-073C-A6BB-6B4DC72CB677}"/>
+                <a16:creationId xmlns:a16="http://schemas.microsoft.com/office/drawing/2014/main" id="{FF68779C-AE72-C3CC-BFB7-27C410C10B22}"/>
               </a:ext>
             </a:extLst>
           </p:cNvPr>
@@ -2902,7 +2902,7 @@
             </a:lvl1pPr>
           </a:lstStyle>
           <a:p>
-            <a:fld id="{214D9F7F-ED2C-4ADA-BC45-E79174857B53}" type="datetimeFigureOut">
+            <a:fld id="{4D6725C8-448E-40A9-9B38-4E25EFEF6E64}" type="datetimeFigureOut">
               <a:rPr lang="zh-CN" altLang="en-US" smtClean="0"/>
               <a:t>2024/3/10</a:t>
             </a:fld>
@@ -2915,7 +2915,7 @@
           <p:cNvPr id="5" name="页脚占位符 4">
             <a:extLst>
               <a:ext uri="{FF2B5EF4-FFF2-40B4-BE49-F238E27FC236}">
-                <a16:creationId xmlns:a16="http://schemas.microsoft.com/office/drawing/2014/main" id="{9BC26E94-4E1E-50DB-F538-2F42FC1A7BD8}"/>
+                <a16:creationId xmlns:a16="http://schemas.microsoft.com/office/drawing/2014/main" id="{3BB9938B-E391-5CCD-890C-1D53C29D46B1}"/>
               </a:ext>
             </a:extLst>
           </p:cNvPr>
@@ -2958,7 +2958,7 @@
           <p:cNvPr id="6" name="灯片编号占位符 5">
             <a:extLst>
               <a:ext uri="{FF2B5EF4-FFF2-40B4-BE49-F238E27FC236}">
-                <a16:creationId xmlns:a16="http://schemas.microsoft.com/office/drawing/2014/main" id="{EBC1F710-8AD7-0EDF-CCC6-9B2B2A872015}"/>
+                <a16:creationId xmlns:a16="http://schemas.microsoft.com/office/drawing/2014/main" id="{CF070251-4261-EF6E-DA9D-11600510C448}"/>
               </a:ext>
             </a:extLst>
           </p:cNvPr>
@@ -2992,7 +2992,7 @@
             </a:lvl1pPr>
           </a:lstStyle>
           <a:p>
-            <a:fld id="{66E443BC-6725-4061-BA50-E1929B2B0DBB}" type="slidenum">
+            <a:fld id="{270F2DB2-A8E4-4AFA-8F69-716C341346EF}" type="slidenum">
               <a:rPr lang="zh-CN" altLang="en-US" smtClean="0"/>
               <a:t>‹#›</a:t>
             </a:fld>
@@ -3003,7 +3003,7 @@
     </p:spTree>
     <p:extLst>
       <p:ext uri="{BB962C8B-B14F-4D97-AF65-F5344CB8AC3E}">
-        <p14:creationId xmlns:p14="http://schemas.microsoft.com/office/powerpoint/2010/main" val="2103718167"/>
+        <p14:creationId xmlns:p14="http://schemas.microsoft.com/office/powerpoint/2010/main" val="2303307932"/>
       </p:ext>
     </p:extLst>
   </p:cSld>
@@ -3323,7 +3323,7 @@
       </p:grpSpPr>
       <p:pic>
         <p:nvPicPr>
-          <p:cNvPr id="1432578" name="Picture 2" descr="1398"/>
+          <p:cNvPr id="1433602" name="Picture 2" descr="1399"/>
           <p:cNvPicPr>
             <a:picLocks noChangeAspect="1" noChangeArrowheads="1"/>
           </p:cNvPicPr>
@@ -3345,7 +3345,7 @@
         <p:spPr bwMode="auto">
           <a:xfrm>
             <a:off x="1524000" y="1"/>
-            <a:ext cx="9144000" cy="6856413"/>
+            <a:ext cx="9144000" cy="4149725"/>
           </a:xfrm>
           <a:prstGeom prst="rect">
             <a:avLst/>
